--- a/Дипломная работа/Консультации Хоменко/Презентация v6.0.pptx
+++ b/Дипломная работа/Консультации Хоменко/Презентация v6.0.pptx
@@ -215,7 +215,7 @@
           <a:p>
             <a:fld id="{0752C715-6935-41AD-9984-2334D42D2383}" type="datetimeFigureOut">
               <a:rPr lang="ru-RU" smtClean="0"/>
-              <a:t>19.05.2025</a:t>
+              <a:t>20.05.2025</a:t>
             </a:fld>
             <a:endParaRPr lang="ru-RU"/>
           </a:p>
@@ -3118,7 +3118,7 @@
           <a:p>
             <a:fld id="{A592AB9E-B3E0-40A8-9D13-59617F3F8A64}" type="datetime1">
               <a:rPr lang="ru-RU" smtClean="0"/>
-              <a:t>19.05.2025</a:t>
+              <a:t>20.05.2025</a:t>
             </a:fld>
             <a:endParaRPr lang="ru-RU"/>
           </a:p>
@@ -3464,7 +3464,7 @@
           <a:p>
             <a:fld id="{5417B1CA-4C4F-4F8D-803D-8A6A8A906241}" type="datetime1">
               <a:rPr lang="ru-RU" smtClean="0"/>
-              <a:t>19.05.2025</a:t>
+              <a:t>20.05.2025</a:t>
             </a:fld>
             <a:endParaRPr lang="ru-RU"/>
           </a:p>
@@ -3742,7 +3742,7 @@
           <a:p>
             <a:fld id="{82CFFC90-8D51-4E14-AFBA-129AE5402BF2}" type="datetime1">
               <a:rPr lang="ru-RU" smtClean="0"/>
-              <a:t>19.05.2025</a:t>
+              <a:t>20.05.2025</a:t>
             </a:fld>
             <a:endParaRPr lang="ru-RU"/>
           </a:p>
@@ -4310,7 +4310,7 @@
           <a:p>
             <a:fld id="{EA467253-3793-4A20-98DF-36EA880F85F5}" type="datetime1">
               <a:rPr lang="ru-RU" smtClean="0"/>
-              <a:t>19.05.2025</a:t>
+              <a:t>20.05.2025</a:t>
             </a:fld>
             <a:endParaRPr lang="ru-RU"/>
           </a:p>
@@ -4588,7 +4588,7 @@
           <a:p>
             <a:fld id="{D83AF644-49BB-4732-B227-064E7E8E9B75}" type="datetime1">
               <a:rPr lang="ru-RU" smtClean="0"/>
-              <a:t>19.05.2025</a:t>
+              <a:t>20.05.2025</a:t>
             </a:fld>
             <a:endParaRPr lang="ru-RU"/>
           </a:p>
@@ -5150,7 +5150,7 @@
           <a:p>
             <a:fld id="{93741DF7-081A-43E1-AEC0-7A6A5EFC3E04}" type="datetime1">
               <a:rPr lang="ru-RU" smtClean="0"/>
-              <a:t>19.05.2025</a:t>
+              <a:t>20.05.2025</a:t>
             </a:fld>
             <a:endParaRPr lang="ru-RU"/>
           </a:p>
@@ -5477,7 +5477,7 @@
           <a:p>
             <a:fld id="{60804587-5AD3-4566-AED6-7C5642B16C64}" type="datetime1">
               <a:rPr lang="ru-RU" smtClean="0"/>
-              <a:t>19.05.2025</a:t>
+              <a:t>20.05.2025</a:t>
             </a:fld>
             <a:endParaRPr lang="ru-RU"/>
           </a:p>
@@ -5654,7 +5654,7 @@
           <a:p>
             <a:fld id="{AF148D8C-8A56-4364-A29B-FC848D70BD3E}" type="datetime1">
               <a:rPr lang="ru-RU" smtClean="0"/>
-              <a:t>19.05.2025</a:t>
+              <a:t>20.05.2025</a:t>
             </a:fld>
             <a:endParaRPr lang="ru-RU"/>
           </a:p>
@@ -5904,7 +5904,7 @@
           <a:p>
             <a:fld id="{1F560C62-4747-4C40-80B5-9506A6478873}" type="datetime1">
               <a:rPr lang="ru-RU" smtClean="0"/>
-              <a:t>19.05.2025</a:t>
+              <a:t>20.05.2025</a:t>
             </a:fld>
             <a:endParaRPr lang="ru-RU"/>
           </a:p>
@@ -6116,7 +6116,7 @@
           <a:p>
             <a:fld id="{655C5391-6D11-49BE-9D35-F1852430608C}" type="datetime1">
               <a:rPr lang="ru-RU" smtClean="0"/>
-              <a:t>19.05.2025</a:t>
+              <a:t>20.05.2025</a:t>
             </a:fld>
             <a:endParaRPr lang="ru-RU"/>
           </a:p>
@@ -6404,7 +6404,7 @@
           <a:p>
             <a:fld id="{D1B7E046-787A-42F0-988E-D94C46E094ED}" type="datetime1">
               <a:rPr lang="ru-RU" smtClean="0"/>
-              <a:t>19.05.2025</a:t>
+              <a:t>20.05.2025</a:t>
             </a:fld>
             <a:endParaRPr lang="ru-RU"/>
           </a:p>
@@ -6682,7 +6682,7 @@
           <a:p>
             <a:fld id="{1DEF2D25-E9E1-4E54-81F0-1D2FE8854B0E}" type="datetime1">
               <a:rPr lang="ru-RU" smtClean="0"/>
-              <a:t>19.05.2025</a:t>
+              <a:t>20.05.2025</a:t>
             </a:fld>
             <a:endParaRPr lang="ru-RU"/>
           </a:p>
@@ -7068,7 +7068,7 @@
           <a:p>
             <a:fld id="{2D559C09-903E-4473-BBE2-D44EED2E9BB9}" type="datetime1">
               <a:rPr lang="ru-RU" smtClean="0"/>
-              <a:t>19.05.2025</a:t>
+              <a:t>20.05.2025</a:t>
             </a:fld>
             <a:endParaRPr lang="ru-RU"/>
           </a:p>
@@ -7228,7 +7228,7 @@
           <a:p>
             <a:fld id="{5DEFB42A-193B-4E6D-9002-E4C3450AA4B1}" type="datetime1">
               <a:rPr lang="ru-RU" smtClean="0"/>
-              <a:t>19.05.2025</a:t>
+              <a:t>20.05.2025</a:t>
             </a:fld>
             <a:endParaRPr lang="ru-RU"/>
           </a:p>
@@ -7365,7 +7365,7 @@
           <a:p>
             <a:fld id="{B780A1C7-BCFA-4491-ABEA-F198E9E80238}" type="datetime1">
               <a:rPr lang="ru-RU" smtClean="0"/>
-              <a:t>19.05.2025</a:t>
+              <a:t>20.05.2025</a:t>
             </a:fld>
             <a:endParaRPr lang="ru-RU"/>
           </a:p>
@@ -7662,7 +7662,7 @@
           <a:p>
             <a:fld id="{6B7D87D1-A00E-4856-B035-ABE302A2367C}" type="datetime1">
               <a:rPr lang="ru-RU" smtClean="0"/>
-              <a:t>19.05.2025</a:t>
+              <a:t>20.05.2025</a:t>
             </a:fld>
             <a:endParaRPr lang="ru-RU"/>
           </a:p>
@@ -7998,7 +7998,7 @@
           <a:p>
             <a:fld id="{95982220-A412-481B-B026-9F63F21200E0}" type="datetime1">
               <a:rPr lang="ru-RU" smtClean="0"/>
-              <a:t>19.05.2025</a:t>
+              <a:t>20.05.2025</a:t>
             </a:fld>
             <a:endParaRPr lang="ru-RU"/>
           </a:p>
@@ -8224,7 +8224,7 @@
           <a:p>
             <a:fld id="{CBF3DBF7-CC75-4132-A774-E3960ACCECD6}" type="datetime1">
               <a:rPr lang="ru-RU" smtClean="0"/>
-              <a:t>19.05.2025</a:t>
+              <a:t>20.05.2025</a:t>
             </a:fld>
             <a:endParaRPr lang="ru-RU"/>
           </a:p>
@@ -26506,7 +26506,29 @@
                 <a:ea typeface="NSimSun" panose="02010609030101010101" pitchFamily="49" charset="-122"/>
                 <a:cs typeface="Times New Roman" panose="02020603050405020304" pitchFamily="18" charset="0"/>
               </a:rPr>
-              <a:t>&gt; 2400 </a:t>
+              <a:t>&gt; 2</a:t>
+            </a:r>
+            <a:r>
+              <a:rPr lang="ru-RU" sz="2000" b="1" kern="100" dirty="0">
+                <a:solidFill>
+                  <a:srgbClr val="FF0000"/>
+                </a:solidFill>
+                <a:latin typeface="Times New Roman" panose="02020603050405020304" pitchFamily="18" charset="0"/>
+                <a:ea typeface="NSimSun" panose="02010609030101010101" pitchFamily="49" charset="-122"/>
+                <a:cs typeface="Times New Roman" panose="02020603050405020304" pitchFamily="18" charset="0"/>
+              </a:rPr>
+              <a:t>6</a:t>
+            </a:r>
+            <a:r>
+              <a:rPr lang="en-US" sz="2000" b="1" kern="100" dirty="0">
+                <a:solidFill>
+                  <a:srgbClr val="FF0000"/>
+                </a:solidFill>
+                <a:latin typeface="Times New Roman" panose="02020603050405020304" pitchFamily="18" charset="0"/>
+                <a:ea typeface="NSimSun" panose="02010609030101010101" pitchFamily="49" charset="-122"/>
+                <a:cs typeface="Times New Roman" panose="02020603050405020304" pitchFamily="18" charset="0"/>
+              </a:rPr>
+              <a:t>00 </a:t>
             </a:r>
             <a:r>
               <a:rPr lang="ru-RU" sz="2000" b="1" kern="100" dirty="0">

--- a/Дипломная работа/Консультации Хоменко/Презентация v6.0.pptx
+++ b/Дипломная работа/Консультации Хоменко/Презентация v6.0.pptx
@@ -21697,7 +21697,7 @@
                 <a:latin typeface="Times New Roman" panose="02020603050405020304" pitchFamily="18" charset="0"/>
                 <a:cs typeface="Times New Roman" panose="02020603050405020304" pitchFamily="18" charset="0"/>
               </a:rPr>
-              <a:t>ПРОЦЕСС «КАК есть»</a:t>
+              <a:t>ТЕКУЩИЙ ПРОЦЕСС</a:t>
             </a:r>
           </a:p>
         </p:txBody>
@@ -22822,7 +22822,7 @@
         </p:nvSpPr>
         <p:spPr>
           <a:xfrm>
-            <a:off x="4071994" y="3741139"/>
+            <a:off x="4128015" y="3697490"/>
             <a:ext cx="2122336" cy="369332"/>
           </a:xfrm>
           <a:prstGeom prst="rect">
@@ -22939,7 +22939,7 @@
                 <a:latin typeface="Times New Roman" panose="02020603050405020304" pitchFamily="18" charset="0"/>
                 <a:cs typeface="Times New Roman" panose="02020603050405020304" pitchFamily="18" charset="0"/>
               </a:rPr>
-              <a:t>Формирование приказов;</a:t>
+              <a:t>Ручное формирование приказов;</a:t>
             </a:r>
           </a:p>
           <a:p>
@@ -22955,7 +22955,7 @@
                 <a:latin typeface="Times New Roman" panose="02020603050405020304" pitchFamily="18" charset="0"/>
                 <a:cs typeface="Times New Roman" panose="02020603050405020304" pitchFamily="18" charset="0"/>
               </a:rPr>
-              <a:t>Создание сертификатов.</a:t>
+              <a:t>Ручное создание сертификатов.</a:t>
             </a:r>
           </a:p>
           <a:p>
@@ -23311,6 +23311,46 @@
                 </a:solidFill>
               </a:rPr>
               <a:t>Календарно-учебный график</a:t>
+            </a:r>
+          </a:p>
+        </p:txBody>
+      </p:sp>
+      <p:sp>
+        <p:nvSpPr>
+          <p:cNvPr id="37" name="TextBox 36">
+            <a:extLst>
+              <a:ext uri="{FF2B5EF4-FFF2-40B4-BE49-F238E27FC236}">
+                <a16:creationId xmlns:a16="http://schemas.microsoft.com/office/drawing/2014/main" id="{F8B0A9B3-6359-4D1D-A00D-64B8661ABF21}"/>
+              </a:ext>
+            </a:extLst>
+          </p:cNvPr>
+          <p:cNvSpPr txBox="1"/>
+          <p:nvPr/>
+        </p:nvSpPr>
+        <p:spPr>
+          <a:xfrm>
+            <a:off x="4089158" y="5379490"/>
+            <a:ext cx="2122336" cy="369332"/>
+          </a:xfrm>
+          <a:prstGeom prst="rect">
+            <a:avLst/>
+          </a:prstGeom>
+          <a:noFill/>
+        </p:spPr>
+        <p:txBody>
+          <a:bodyPr wrap="square" rtlCol="0">
+            <a:spAutoFit/>
+          </a:bodyPr>
+          <a:lstStyle/>
+          <a:p>
+            <a:pPr algn="ctr"/>
+            <a:r>
+              <a:rPr lang="ru-RU" dirty="0">
+                <a:solidFill>
+                  <a:srgbClr val="FFFF00"/>
+                </a:solidFill>
+              </a:rPr>
+              <a:t>Обучающийся</a:t>
             </a:r>
           </a:p>
         </p:txBody>
@@ -24011,6 +24051,27 @@
                                   </p:childTnLst>
                                 </p:cTn>
                               </p:par>
+                              <p:par>
+                                <p:cTn id="67" presetID="0" presetClass="path" presetSubtype="0" accel="50000" decel="50000" fill="hold" grpId="0" nodeType="withEffect">
+                                  <p:stCondLst>
+                                    <p:cond delay="0"/>
+                                  </p:stCondLst>
+                                  <p:childTnLst>
+                                    <p:animMotion origin="layout" path="M 0 0 L 0 0 L 0.04453 0.00139 L 0.11028 0.00278 C 0.11198 0.00301 0.11614 0.00509 0.11784 0.00579 C 0.12656 0.00903 0.12604 0.00857 0.13385 0.01042 C 0.14323 0.00972 0.15247 0.00996 0.16172 0.0088 C 0.1638 0.00857 0.16562 0.00602 0.16758 0.00579 C 0.18125 0.00417 0.19271 0.0044 0.2056 0.0044 " pathEditMode="relative" ptsTypes="AAAAAAAAA">
+                                      <p:cBhvr>
+                                        <p:cTn id="68" dur="2000" fill="hold"/>
+                                        <p:tgtEl>
+                                          <p:spTgt spid="37"/>
+                                        </p:tgtEl>
+                                        <p:attrNameLst>
+                                          <p:attrName>ppt_x</p:attrName>
+                                          <p:attrName>ppt_y</p:attrName>
+                                        </p:attrNameLst>
+                                      </p:cBhvr>
+                                    </p:animMotion>
+                                  </p:childTnLst>
+                                </p:cTn>
+                              </p:par>
                             </p:childTnLst>
                           </p:cTn>
                         </p:par>
@@ -24050,6 +24111,7 @@
       <p:bldP spid="35" grpId="0"/>
       <p:bldP spid="36" grpId="0"/>
       <p:bldP spid="38" grpId="0"/>
+      <p:bldP spid="37" grpId="0"/>
     </p:bldLst>
   </p:timing>
 </p:sld>
@@ -24106,7 +24168,7 @@
                 <a:latin typeface="Times New Roman" panose="02020603050405020304" pitchFamily="18" charset="0"/>
                 <a:cs typeface="Times New Roman" panose="02020603050405020304" pitchFamily="18" charset="0"/>
               </a:rPr>
-              <a:t>ПРОЦЕСС «КАК есть»</a:t>
+              <a:t>ТЕКУЩИЙ ПРОЦЕСС</a:t>
             </a:r>
           </a:p>
         </p:txBody>
@@ -24988,7 +25050,7 @@
         </p:nvSpPr>
         <p:spPr>
           <a:xfrm>
-            <a:off x="6456268" y="3323091"/>
+            <a:off x="8345123" y="3336066"/>
             <a:ext cx="1405212" cy="623726"/>
           </a:xfrm>
           <a:prstGeom prst="roundRect">
@@ -25105,7 +25167,7 @@
         </p:nvSpPr>
         <p:spPr>
           <a:xfrm>
-            <a:off x="8330089" y="4542373"/>
+            <a:off x="9137310" y="4542373"/>
             <a:ext cx="1405212" cy="1002965"/>
           </a:xfrm>
           <a:prstGeom prst="roundRect">
@@ -25171,7 +25233,7 @@
         <p:spPr>
           <a:xfrm flipV="1">
             <a:off x="7627484" y="5043856"/>
-            <a:ext cx="702605" cy="2"/>
+            <a:ext cx="1509826" cy="2"/>
           </a:xfrm>
           <a:prstGeom prst="straightConnector1">
             <a:avLst/>
@@ -25211,9 +25273,9 @@
           <p:nvPr/>
         </p:nvCxnSpPr>
         <p:spPr>
-          <a:xfrm>
-            <a:off x="7861480" y="3634954"/>
-            <a:ext cx="3585501" cy="10069"/>
+          <a:xfrm flipV="1">
+            <a:off x="9750335" y="3645023"/>
+            <a:ext cx="1696646" cy="2906"/>
           </a:xfrm>
           <a:prstGeom prst="straightConnector1">
             <a:avLst/>
@@ -25300,12 +25362,12 @@
         </p:nvCxnSpPr>
         <p:spPr>
           <a:xfrm flipV="1">
-            <a:off x="9735301" y="3645023"/>
-            <a:ext cx="1711680" cy="1398833"/>
+            <a:off x="10542522" y="3645023"/>
+            <a:ext cx="904459" cy="1398833"/>
           </a:xfrm>
           <a:prstGeom prst="bentConnector3">
             <a:avLst>
-              <a:gd name="adj1" fmla="val 73409"/>
+              <a:gd name="adj1" fmla="val 50000"/>
             </a:avLst>
           </a:prstGeom>
           <a:ln>
@@ -25777,48 +25839,6 @@
       </p:cxnSp>
       <p:cxnSp>
         <p:nvCxnSpPr>
-          <p:cNvPr id="131" name="Прямая со стрелкой 130">
-            <a:extLst>
-              <a:ext uri="{FF2B5EF4-FFF2-40B4-BE49-F238E27FC236}">
-                <a16:creationId xmlns:a16="http://schemas.microsoft.com/office/drawing/2014/main" id="{0E88A696-A7B8-FDEF-BBA0-B1B9F6AA00DF}"/>
-              </a:ext>
-            </a:extLst>
-          </p:cNvPr>
-          <p:cNvCxnSpPr>
-            <a:stCxn id="111" idx="6"/>
-            <a:endCxn id="36" idx="1"/>
-          </p:cNvCxnSpPr>
-          <p:nvPr/>
-        </p:nvCxnSpPr>
-        <p:spPr>
-          <a:xfrm flipV="1">
-            <a:off x="5693549" y="3634954"/>
-            <a:ext cx="762719" cy="832"/>
-          </a:xfrm>
-          <a:prstGeom prst="straightConnector1">
-            <a:avLst/>
-          </a:prstGeom>
-          <a:ln>
-            <a:tailEnd type="triangle"/>
-          </a:ln>
-        </p:spPr>
-        <p:style>
-          <a:lnRef idx="1">
-            <a:schemeClr val="dk1"/>
-          </a:lnRef>
-          <a:fillRef idx="0">
-            <a:schemeClr val="dk1"/>
-          </a:fillRef>
-          <a:effectRef idx="0">
-            <a:schemeClr val="dk1"/>
-          </a:effectRef>
-          <a:fontRef idx="minor">
-            <a:schemeClr val="tx1"/>
-          </a:fontRef>
-        </p:style>
-      </p:cxnSp>
-      <p:cxnSp>
-        <p:nvCxnSpPr>
           <p:cNvPr id="134" name="Прямая со стрелкой 133">
             <a:extLst>
               <a:ext uri="{FF2B5EF4-FFF2-40B4-BE49-F238E27FC236}">
@@ -25984,10 +26004,10 @@
       </p:cxnSp>
       <p:sp>
         <p:nvSpPr>
-          <p:cNvPr id="102" name="Прямоугольник: скругленные углы 101">
+          <p:cNvPr id="45" name="Прямоугольник: скругленные углы 44">
             <a:extLst>
               <a:ext uri="{FF2B5EF4-FFF2-40B4-BE49-F238E27FC236}">
-                <a16:creationId xmlns:a16="http://schemas.microsoft.com/office/drawing/2014/main" id="{3EAD4FE8-7581-16BB-165B-58F0737EA4C1}"/>
+                <a16:creationId xmlns:a16="http://schemas.microsoft.com/office/drawing/2014/main" id="{0A20BAAC-F697-40F2-B4C3-05B36710E6F2}"/>
               </a:ext>
             </a:extLst>
           </p:cNvPr>
@@ -25996,7 +26016,153 @@
         </p:nvSpPr>
         <p:spPr>
           <a:xfrm>
-            <a:off x="356663" y="1057828"/>
+            <a:off x="6293533" y="3336067"/>
+            <a:ext cx="1405212" cy="623725"/>
+          </a:xfrm>
+          <a:prstGeom prst="roundRect">
+            <a:avLst/>
+          </a:prstGeom>
+          <a:solidFill>
+            <a:schemeClr val="tx1"/>
+          </a:solidFill>
+          <a:ln>
+            <a:solidFill>
+              <a:srgbClr val="FF0000"/>
+            </a:solidFill>
+          </a:ln>
+        </p:spPr>
+        <p:style>
+          <a:lnRef idx="2">
+            <a:schemeClr val="accent1">
+              <a:shade val="15000"/>
+            </a:schemeClr>
+          </a:lnRef>
+          <a:fillRef idx="1">
+            <a:schemeClr val="accent1"/>
+          </a:fillRef>
+          <a:effectRef idx="0">
+            <a:schemeClr val="accent1"/>
+          </a:effectRef>
+          <a:fontRef idx="minor">
+            <a:schemeClr val="lt1"/>
+          </a:fontRef>
+        </p:style>
+        <p:txBody>
+          <a:bodyPr rtlCol="0" anchor="ctr"/>
+          <a:lstStyle/>
+          <a:p>
+            <a:pPr algn="ctr"/>
+            <a:r>
+              <a:rPr lang="ru-RU" sz="1200" dirty="0">
+                <a:solidFill>
+                  <a:schemeClr val="bg1"/>
+                </a:solidFill>
+              </a:rPr>
+              <a:t>Ручное внесение информации</a:t>
+            </a:r>
+          </a:p>
+        </p:txBody>
+      </p:sp>
+      <p:cxnSp>
+        <p:nvCxnSpPr>
+          <p:cNvPr id="46" name="Прямая со стрелкой 45">
+            <a:extLst>
+              <a:ext uri="{FF2B5EF4-FFF2-40B4-BE49-F238E27FC236}">
+                <a16:creationId xmlns:a16="http://schemas.microsoft.com/office/drawing/2014/main" id="{D583A422-23D2-47AC-9C9C-F8FDDC31447D}"/>
+              </a:ext>
+            </a:extLst>
+          </p:cNvPr>
+          <p:cNvCxnSpPr>
+            <a:cxnSpLocks/>
+            <a:stCxn id="111" idx="6"/>
+            <a:endCxn id="45" idx="1"/>
+          </p:cNvCxnSpPr>
+          <p:nvPr/>
+        </p:nvCxnSpPr>
+        <p:spPr>
+          <a:xfrm>
+            <a:off x="5693549" y="3635786"/>
+            <a:ext cx="599984" cy="12144"/>
+          </a:xfrm>
+          <a:prstGeom prst="straightConnector1">
+            <a:avLst/>
+          </a:prstGeom>
+          <a:ln>
+            <a:tailEnd type="triangle"/>
+          </a:ln>
+        </p:spPr>
+        <p:style>
+          <a:lnRef idx="1">
+            <a:schemeClr val="dk1"/>
+          </a:lnRef>
+          <a:fillRef idx="0">
+            <a:schemeClr val="dk1"/>
+          </a:fillRef>
+          <a:effectRef idx="0">
+            <a:schemeClr val="dk1"/>
+          </a:effectRef>
+          <a:fontRef idx="minor">
+            <a:schemeClr val="tx1"/>
+          </a:fontRef>
+        </p:style>
+      </p:cxnSp>
+      <p:cxnSp>
+        <p:nvCxnSpPr>
+          <p:cNvPr id="49" name="Прямая со стрелкой 48">
+            <a:extLst>
+              <a:ext uri="{FF2B5EF4-FFF2-40B4-BE49-F238E27FC236}">
+                <a16:creationId xmlns:a16="http://schemas.microsoft.com/office/drawing/2014/main" id="{3AA5E278-3C6E-4E7E-A5B2-70B84F107AF7}"/>
+              </a:ext>
+            </a:extLst>
+          </p:cNvPr>
+          <p:cNvCxnSpPr>
+            <a:cxnSpLocks/>
+            <a:stCxn id="45" idx="3"/>
+          </p:cNvCxnSpPr>
+          <p:nvPr/>
+        </p:nvCxnSpPr>
+        <p:spPr>
+          <a:xfrm>
+            <a:off x="7698745" y="3647930"/>
+            <a:ext cx="623046" cy="0"/>
+          </a:xfrm>
+          <a:prstGeom prst="straightConnector1">
+            <a:avLst/>
+          </a:prstGeom>
+          <a:ln>
+            <a:tailEnd type="triangle"/>
+          </a:ln>
+        </p:spPr>
+        <p:style>
+          <a:lnRef idx="1">
+            <a:schemeClr val="dk1"/>
+          </a:lnRef>
+          <a:fillRef idx="0">
+            <a:schemeClr val="dk1"/>
+          </a:fillRef>
+          <a:effectRef idx="0">
+            <a:schemeClr val="dk1"/>
+          </a:effectRef>
+          <a:fontRef idx="minor">
+            <a:schemeClr val="tx1"/>
+          </a:fontRef>
+        </p:style>
+      </p:cxnSp>
+      <p:sp>
+        <p:nvSpPr>
+          <p:cNvPr id="102" name="Прямоугольник: скругленные углы 101">
+            <a:extLst>
+              <a:ext uri="{FF2B5EF4-FFF2-40B4-BE49-F238E27FC236}">
+                <a16:creationId xmlns:a16="http://schemas.microsoft.com/office/drawing/2014/main" id="{3EAD4FE8-7581-16BB-165B-58F0737EA4C1}"/>
+              </a:ext>
+            </a:extLst>
+          </p:cNvPr>
+          <p:cNvSpPr/>
+          <p:nvPr/>
+        </p:nvSpPr>
+        <p:spPr>
+          <a:xfrm>
+            <a:off x="244728" y="1094072"/>
             <a:ext cx="11437198" cy="5517510"/>
           </a:xfrm>
           <a:prstGeom prst="roundRect">
